--- a/slides-new/3-2-process.pptx
+++ b/slides-new/3-2-process.pptx
@@ -316,7 +316,7 @@
               <a:pPr>
                 <a:defRPr/>
               </a:pPr>
-              <a:t>11/9/20</a:t>
+              <a:t>11/23/20</a:t>
             </a:fld>
             <a:endParaRPr lang="en-US" b="0" dirty="0">
               <a:latin typeface="FandolSong" pitchFamily="2" charset="-128"/>
@@ -425,6 +425,11 @@
         </p:txBody>
       </p:sp>
     </p:spTree>
+    <p:extLst>
+      <p:ext uri="{BB962C8B-B14F-4D97-AF65-F5344CB8AC3E}">
+        <p14:creationId xmlns:p14="http://schemas.microsoft.com/office/powerpoint/2010/main" val="1"/>
+      </p:ext>
+    </p:extLst>
   </p:cSld>
   <p:clrMap bg1="lt1" tx1="dk1" bg2="lt2" tx2="dk2" accent1="accent1" accent2="accent2" accent3="accent3" accent4="accent4" accent5="accent5" accent6="accent6" hlink="hlink" folHlink="folHlink"/>
 </p:handoutMaster>
@@ -575,7 +580,7 @@
             </a:extLst>
           </p:cNvPr>
           <p:cNvSpPr>
-            <a:spLocks noChangeArrowheads="1" noTextEdit="1"/>
+            <a:spLocks noGrp="1" noRot="1" noChangeAspect="1" noChangeArrowheads="1" noTextEdit="1"/>
           </p:cNvSpPr>
           <p:nvPr>
             <p:ph type="sldImg" idx="2"/>
@@ -1119,7 +1124,7 @@
             </a:extLst>
           </p:cNvPr>
           <p:cNvSpPr>
-            <a:spLocks noChangeArrowheads="1" noTextEdit="1"/>
+            <a:spLocks noGrp="1" noRot="1" noChangeAspect="1" noChangeArrowheads="1" noTextEdit="1"/>
           </p:cNvSpPr>
           <p:nvPr>
             <p:ph type="sldImg"/>
@@ -1917,7 +1922,7 @@
           <a:lstStyle/>
           <a:p>
             <a:pPr eaLnBrk="1" hangingPunct="1"/>
-            <a:endParaRPr lang="zh-CN" altLang="en-US"/>
+            <a:endParaRPr lang="zh-CN" altLang="en-US" dirty="0"/>
           </a:p>
         </p:txBody>
       </p:sp>
@@ -2304,7 +2309,7 @@
             </a:extLst>
           </p:cNvPr>
           <p:cNvSpPr>
-            <a:spLocks noChangeArrowheads="1" noTextEdit="1"/>
+            <a:spLocks noGrp="1" noRot="1" noChangeAspect="1" noChangeArrowheads="1" noTextEdit="1"/>
           </p:cNvSpPr>
           <p:nvPr>
             <p:ph type="sldImg"/>
@@ -2451,7 +2456,7 @@
           <a:lstStyle/>
           <a:p>
             <a:pPr eaLnBrk="1" hangingPunct="1"/>
-            <a:endParaRPr lang="zh-CN" altLang="en-US"/>
+            <a:endParaRPr lang="zh-CN" altLang="en-US" dirty="0"/>
           </a:p>
         </p:txBody>
       </p:sp>
@@ -4074,7 +4079,7 @@
           <a:lstStyle/>
           <a:p>
             <a:pPr eaLnBrk="1" hangingPunct="1"/>
-            <a:endParaRPr lang="zh-CN" altLang="en-US"/>
+            <a:endParaRPr lang="zh-CN" altLang="en-US" dirty="0"/>
           </a:p>
         </p:txBody>
       </p:sp>
@@ -8689,7 +8694,7 @@
               <a:pPr>
                 <a:defRPr/>
               </a:pPr>
-              <a:t>2020/11/9</a:t>
+              <a:t>2020/11/23</a:t>
             </a:fld>
             <a:endParaRPr lang="en-US" altLang="zh-CN"/>
           </a:p>
@@ -8918,7 +8923,7 @@
               <a:pPr>
                 <a:defRPr/>
               </a:pPr>
-              <a:t>2020/11/9</a:t>
+              <a:t>2020/11/23</a:t>
             </a:fld>
             <a:endParaRPr lang="en-US" altLang="zh-CN"/>
           </a:p>
@@ -9151,7 +9156,7 @@
               <a:pPr>
                 <a:defRPr/>
               </a:pPr>
-              <a:t>2020/11/9</a:t>
+              <a:t>2020/11/23</a:t>
             </a:fld>
             <a:endParaRPr lang="en-US" altLang="zh-CN"/>
           </a:p>
@@ -9440,7 +9445,7 @@
               <a:pPr>
                 <a:defRPr/>
               </a:pPr>
-              <a:t>2020/11/9</a:t>
+              <a:t>2020/11/23</a:t>
             </a:fld>
             <a:endParaRPr lang="en-US" altLang="zh-CN"/>
           </a:p>
@@ -9785,7 +9790,7 @@
               <a:pPr>
                 <a:defRPr/>
               </a:pPr>
-              <a:t>2020/11/9</a:t>
+              <a:t>2020/11/23</a:t>
             </a:fld>
             <a:endParaRPr lang="en-US" altLang="zh-CN"/>
           </a:p>
@@ -10008,7 +10013,7 @@
               <a:pPr>
                 <a:defRPr/>
               </a:pPr>
-              <a:t>2020/11/9</a:t>
+              <a:t>2020/11/23</a:t>
             </a:fld>
             <a:endParaRPr lang="en-US" altLang="zh-CN"/>
           </a:p>
@@ -10254,7 +10259,7 @@
               <a:pPr>
                 <a:defRPr/>
               </a:pPr>
-              <a:t>2020/11/9</a:t>
+              <a:t>2020/11/23</a:t>
             </a:fld>
             <a:endParaRPr lang="en-US" altLang="zh-CN"/>
           </a:p>
@@ -10594,7 +10599,7 @@
               <a:pPr>
                 <a:defRPr/>
               </a:pPr>
-              <a:t>2020/11/9</a:t>
+              <a:t>2020/11/23</a:t>
             </a:fld>
             <a:endParaRPr lang="en-US" altLang="zh-CN"/>
           </a:p>
@@ -11073,7 +11078,7 @@
               <a:pPr>
                 <a:defRPr/>
               </a:pPr>
-              <a:t>2020/11/9</a:t>
+              <a:t>2020/11/23</a:t>
             </a:fld>
             <a:endParaRPr lang="en-US" altLang="zh-CN"/>
           </a:p>
@@ -11245,7 +11250,7 @@
               <a:pPr>
                 <a:defRPr/>
               </a:pPr>
-              <a:t>2020/11/9</a:t>
+              <a:t>2020/11/23</a:t>
             </a:fld>
             <a:endParaRPr lang="en-US" altLang="zh-CN"/>
           </a:p>
@@ -11395,7 +11400,7 @@
               <a:pPr>
                 <a:defRPr/>
               </a:pPr>
-              <a:t>2020/11/9</a:t>
+              <a:t>2020/11/23</a:t>
             </a:fld>
             <a:endParaRPr lang="en-US" altLang="zh-CN"/>
           </a:p>
@@ -11725,7 +11730,7 @@
               <a:pPr>
                 <a:defRPr/>
               </a:pPr>
-              <a:t>2020/11/9</a:t>
+              <a:t>2020/11/23</a:t>
             </a:fld>
             <a:endParaRPr lang="en-US" altLang="zh-CN"/>
           </a:p>
@@ -12033,7 +12038,7 @@
               <a:pPr>
                 <a:defRPr/>
               </a:pPr>
-              <a:t>2020/11/9</a:t>
+              <a:t>2020/11/23</a:t>
             </a:fld>
             <a:endParaRPr lang="en-US" altLang="zh-CN"/>
           </a:p>
@@ -12368,7 +12373,7 @@
               <a:pPr>
                 <a:defRPr/>
               </a:pPr>
-              <a:t>2020/11/9</a:t>
+              <a:t>2020/11/23</a:t>
             </a:fld>
             <a:endParaRPr lang="en-US" altLang="zh-CN"/>
           </a:p>
@@ -17305,7 +17310,7 @@
               <a:rPr lang="en-US" altLang="zh-CN" dirty="0">
                 <a:ea typeface="宋体" pitchFamily="2" charset="-122"/>
               </a:rPr>
-              <a:t> (a chunk of kernel code) does scheduling as following</a:t>
+              <a:t> (a chunk of kernel code) does schedule as following</a:t>
             </a:r>
           </a:p>
           <a:p>
@@ -25139,6 +25144,11 @@
           </p:cNvGraphicFramePr>
           <p:nvPr>
             <p:ph sz="half" idx="2"/>
+            <p:extLst>
+              <p:ext uri="{D42A27DB-BD31-4B8C-83A1-F6EECF244321}">
+                <p14:modId xmlns:p14="http://schemas.microsoft.com/office/powerpoint/2010/main" val="436480464"/>
+              </p:ext>
+            </p:extLst>
           </p:nvPr>
         </p:nvGraphicFramePr>
         <p:xfrm>
@@ -25884,6 +25894,11 @@
           </p:cNvGraphicFramePr>
           <p:nvPr>
             <p:ph sz="half" idx="2"/>
+            <p:extLst>
+              <p:ext uri="{D42A27DB-BD31-4B8C-83A1-F6EECF244321}">
+                <p14:modId xmlns:p14="http://schemas.microsoft.com/office/powerpoint/2010/main" val="1036383692"/>
+              </p:ext>
+            </p:extLst>
           </p:nvPr>
         </p:nvGraphicFramePr>
         <p:xfrm>
@@ -27687,6 +27702,10 @@
           </p:nvPr>
         </p:nvSpPr>
         <p:spPr>
+          <a:xfrm>
+            <a:off x="6934200" y="6172200"/>
+            <a:ext cx="1295400" cy="457200"/>
+          </a:xfrm>
           <a:noFill/>
           <a:ln/>
           <a:extLst>
@@ -28609,12 +28628,28 @@
               <a:buNone/>
             </a:pPr>
             <a:r>
-              <a:rPr lang="en-US" altLang="zh-CN" sz="1800" b="1">
+              <a:rPr lang="en-US" altLang="zh-CN" sz="1800" b="1" dirty="0">
                 <a:latin typeface="Courier New" panose="02070309020205020404" pitchFamily="49" charset="0"/>
                 <a:ea typeface="宋体" panose="02010600030101010101" pitchFamily="2" charset="-122"/>
                 <a:cs typeface="Courier New" panose="02070309020205020404" pitchFamily="49" charset="0"/>
               </a:rPr>
-              <a:t>1 #include "csapp.h"</a:t>
+              <a:t>1 #include "</a:t>
+            </a:r>
+            <a:r>
+              <a:rPr lang="en-US" altLang="zh-CN" sz="1800" b="1" dirty="0" err="1">
+                <a:latin typeface="Courier New" panose="02070309020205020404" pitchFamily="49" charset="0"/>
+                <a:ea typeface="宋体" panose="02010600030101010101" pitchFamily="2" charset="-122"/>
+                <a:cs typeface="Courier New" panose="02070309020205020404" pitchFamily="49" charset="0"/>
+              </a:rPr>
+              <a:t>csapp.h</a:t>
+            </a:r>
+            <a:r>
+              <a:rPr lang="en-US" altLang="zh-CN" sz="1800" b="1" dirty="0">
+                <a:latin typeface="Courier New" panose="02070309020205020404" pitchFamily="49" charset="0"/>
+                <a:ea typeface="宋体" panose="02010600030101010101" pitchFamily="2" charset="-122"/>
+                <a:cs typeface="Courier New" panose="02070309020205020404" pitchFamily="49" charset="0"/>
+              </a:rPr>
+              <a:t>"</a:t>
             </a:r>
           </a:p>
           <a:p>
@@ -28626,7 +28661,7 @@
               <a:buNone/>
             </a:pPr>
             <a:r>
-              <a:rPr lang="en-US" altLang="zh-CN" sz="1800" b="1">
+              <a:rPr lang="en-US" altLang="zh-CN" sz="1800" b="1" dirty="0">
                 <a:latin typeface="Courier New" panose="02070309020205020404" pitchFamily="49" charset="0"/>
                 <a:ea typeface="宋体" panose="02010600030101010101" pitchFamily="2" charset="-122"/>
                 <a:cs typeface="Courier New" panose="02070309020205020404" pitchFamily="49" charset="0"/>
@@ -28643,7 +28678,7 @@
               <a:buNone/>
             </a:pPr>
             <a:r>
-              <a:rPr lang="en-US" altLang="zh-CN" sz="1800" b="1">
+              <a:rPr lang="en-US" altLang="zh-CN" sz="1800" b="1" dirty="0">
                 <a:latin typeface="Courier New" panose="02070309020205020404" pitchFamily="49" charset="0"/>
                 <a:ea typeface="宋体" panose="02010600030101010101" pitchFamily="2" charset="-122"/>
                 <a:cs typeface="Courier New" panose="02070309020205020404" pitchFamily="49" charset="0"/>
@@ -28660,7 +28695,7 @@
               <a:buNone/>
             </a:pPr>
             <a:r>
-              <a:rPr lang="en-US" altLang="zh-CN" sz="1800" b="1">
+              <a:rPr lang="en-US" altLang="zh-CN" sz="1800" b="1" dirty="0">
                 <a:latin typeface="Courier New" panose="02070309020205020404" pitchFamily="49" charset="0"/>
                 <a:ea typeface="宋体" panose="02010600030101010101" pitchFamily="2" charset="-122"/>
                 <a:cs typeface="Courier New" panose="02070309020205020404" pitchFamily="49" charset="0"/>
@@ -28677,12 +28712,44 @@
               <a:buNone/>
             </a:pPr>
             <a:r>
-              <a:rPr lang="en-US" altLang="zh-CN" sz="1800" b="1">
+              <a:rPr lang="en-US" altLang="zh-CN" sz="1800" b="1" dirty="0">
                 <a:latin typeface="Courier New" panose="02070309020205020404" pitchFamily="49" charset="0"/>
                 <a:ea typeface="宋体" panose="02010600030101010101" pitchFamily="2" charset="-122"/>
                 <a:cs typeface="Courier New" panose="02070309020205020404" pitchFamily="49" charset="0"/>
               </a:rPr>
-              <a:t>5 		pid_t pid;</a:t>
+              <a:t>5 		</a:t>
+            </a:r>
+            <a:r>
+              <a:rPr lang="en-US" altLang="zh-CN" sz="1800" b="1" dirty="0" err="1">
+                <a:latin typeface="Courier New" panose="02070309020205020404" pitchFamily="49" charset="0"/>
+                <a:ea typeface="宋体" panose="02010600030101010101" pitchFamily="2" charset="-122"/>
+                <a:cs typeface="Courier New" panose="02070309020205020404" pitchFamily="49" charset="0"/>
+              </a:rPr>
+              <a:t>pid_t</a:t>
+            </a:r>
+            <a:r>
+              <a:rPr lang="en-US" altLang="zh-CN" sz="1800" b="1" dirty="0">
+                <a:latin typeface="Courier New" panose="02070309020205020404" pitchFamily="49" charset="0"/>
+                <a:ea typeface="宋体" panose="02010600030101010101" pitchFamily="2" charset="-122"/>
+                <a:cs typeface="Courier New" panose="02070309020205020404" pitchFamily="49" charset="0"/>
+              </a:rPr>
+              <a:t> </a:t>
+            </a:r>
+            <a:r>
+              <a:rPr lang="en-US" altLang="zh-CN" sz="1800" b="1" dirty="0" err="1">
+                <a:latin typeface="Courier New" panose="02070309020205020404" pitchFamily="49" charset="0"/>
+                <a:ea typeface="宋体" panose="02010600030101010101" pitchFamily="2" charset="-122"/>
+                <a:cs typeface="Courier New" panose="02070309020205020404" pitchFamily="49" charset="0"/>
+              </a:rPr>
+              <a:t>pid</a:t>
+            </a:r>
+            <a:r>
+              <a:rPr lang="en-US" altLang="zh-CN" sz="1800" b="1" dirty="0">
+                <a:latin typeface="Courier New" panose="02070309020205020404" pitchFamily="49" charset="0"/>
+                <a:ea typeface="宋体" panose="02010600030101010101" pitchFamily="2" charset="-122"/>
+                <a:cs typeface="Courier New" panose="02070309020205020404" pitchFamily="49" charset="0"/>
+              </a:rPr>
+              <a:t>;</a:t>
             </a:r>
           </a:p>
           <a:p>
@@ -28694,7 +28761,7 @@
               <a:buNone/>
             </a:pPr>
             <a:r>
-              <a:rPr lang="en-US" altLang="zh-CN" sz="1800" b="1">
+              <a:rPr lang="en-US" altLang="zh-CN" sz="1800" b="1" dirty="0">
                 <a:latin typeface="Courier New" panose="02070309020205020404" pitchFamily="49" charset="0"/>
                 <a:ea typeface="宋体" panose="02010600030101010101" pitchFamily="2" charset="-122"/>
                 <a:cs typeface="Courier New" panose="02070309020205020404" pitchFamily="49" charset="0"/>
@@ -28711,7 +28778,7 @@
               <a:buNone/>
             </a:pPr>
             <a:r>
-              <a:rPr lang="en-US" altLang="zh-CN" sz="1800" b="1">
+              <a:rPr lang="en-US" altLang="zh-CN" sz="1800" b="1" dirty="0">
                 <a:latin typeface="Courier New" panose="02070309020205020404" pitchFamily="49" charset="0"/>
                 <a:ea typeface="宋体" panose="02010600030101010101" pitchFamily="2" charset="-122"/>
                 <a:cs typeface="Courier New" panose="02070309020205020404" pitchFamily="49" charset="0"/>
@@ -28728,15 +28795,31 @@
               <a:buNone/>
             </a:pPr>
             <a:r>
-              <a:rPr lang="en-US" altLang="zh-CN" sz="1800" b="1">
+              <a:rPr lang="en-US" altLang="zh-CN" sz="1800" b="1" dirty="0">
                 <a:latin typeface="Courier New" panose="02070309020205020404" pitchFamily="49" charset="0"/>
                 <a:ea typeface="宋体" panose="02010600030101010101" pitchFamily="2" charset="-122"/>
                 <a:cs typeface="Courier New" panose="02070309020205020404" pitchFamily="49" charset="0"/>
               </a:rPr>
-              <a:t>8 		pid = </a:t>
-            </a:r>
-            <a:r>
-              <a:rPr lang="en-US" altLang="zh-CN" sz="1800" b="1">
+              <a:t>8 		</a:t>
+            </a:r>
+            <a:r>
+              <a:rPr lang="en-US" altLang="zh-CN" sz="1800" b="1" dirty="0" err="1">
+                <a:latin typeface="Courier New" panose="02070309020205020404" pitchFamily="49" charset="0"/>
+                <a:ea typeface="宋体" panose="02010600030101010101" pitchFamily="2" charset="-122"/>
+                <a:cs typeface="Courier New" panose="02070309020205020404" pitchFamily="49" charset="0"/>
+              </a:rPr>
+              <a:t>pid</a:t>
+            </a:r>
+            <a:r>
+              <a:rPr lang="en-US" altLang="zh-CN" sz="1800" b="1" dirty="0">
+                <a:latin typeface="Courier New" panose="02070309020205020404" pitchFamily="49" charset="0"/>
+                <a:ea typeface="宋体" panose="02010600030101010101" pitchFamily="2" charset="-122"/>
+                <a:cs typeface="Courier New" panose="02070309020205020404" pitchFamily="49" charset="0"/>
+              </a:rPr>
+              <a:t> = </a:t>
+            </a:r>
+            <a:r>
+              <a:rPr lang="en-US" altLang="zh-CN" sz="1800" b="1" dirty="0">
                 <a:solidFill>
                   <a:srgbClr val="FF0000"/>
                 </a:solidFill>
@@ -28747,7 +28830,7 @@
               <a:t>Fork</a:t>
             </a:r>
             <a:r>
-              <a:rPr lang="en-US" altLang="zh-CN" sz="1800" b="1">
+              <a:rPr lang="en-US" altLang="zh-CN" sz="1800" b="1" dirty="0">
                 <a:latin typeface="Courier New" panose="02070309020205020404" pitchFamily="49" charset="0"/>
                 <a:ea typeface="宋体" panose="02010600030101010101" pitchFamily="2" charset="-122"/>
                 <a:cs typeface="Courier New" panose="02070309020205020404" pitchFamily="49" charset="0"/>
@@ -28764,15 +28847,31 @@
               <a:buNone/>
             </a:pPr>
             <a:r>
-              <a:rPr lang="en-US" altLang="zh-CN" sz="1800" b="1">
+              <a:rPr lang="en-US" altLang="zh-CN" sz="1800" b="1" dirty="0">
                 <a:latin typeface="Courier New" panose="02070309020205020404" pitchFamily="49" charset="0"/>
                 <a:ea typeface="宋体" panose="02010600030101010101" pitchFamily="2" charset="-122"/>
                 <a:cs typeface="Courier New" panose="02070309020205020404" pitchFamily="49" charset="0"/>
               </a:rPr>
-              <a:t>9 		if (pid == 0) { </a:t>
-            </a:r>
-            <a:r>
-              <a:rPr lang="en-US" altLang="zh-CN" sz="1800" b="1">
+              <a:t>9 		if (</a:t>
+            </a:r>
+            <a:r>
+              <a:rPr lang="en-US" altLang="zh-CN" sz="1800" b="1" dirty="0" err="1">
+                <a:latin typeface="Courier New" panose="02070309020205020404" pitchFamily="49" charset="0"/>
+                <a:ea typeface="宋体" panose="02010600030101010101" pitchFamily="2" charset="-122"/>
+                <a:cs typeface="Courier New" panose="02070309020205020404" pitchFamily="49" charset="0"/>
+              </a:rPr>
+              <a:t>pid</a:t>
+            </a:r>
+            <a:r>
+              <a:rPr lang="en-US" altLang="zh-CN" sz="1800" b="1" dirty="0">
+                <a:latin typeface="Courier New" panose="02070309020205020404" pitchFamily="49" charset="0"/>
+                <a:ea typeface="宋体" panose="02010600030101010101" pitchFamily="2" charset="-122"/>
+                <a:cs typeface="Courier New" panose="02070309020205020404" pitchFamily="49" charset="0"/>
+              </a:rPr>
+              <a:t> == 0) { </a:t>
+            </a:r>
+            <a:r>
+              <a:rPr lang="en-US" altLang="zh-CN" sz="1800" b="1" dirty="0">
                 <a:solidFill>
                   <a:srgbClr val="00B050"/>
                 </a:solidFill>
@@ -28792,12 +28891,28 @@
               <a:buNone/>
             </a:pPr>
             <a:r>
-              <a:rPr lang="en-US" altLang="zh-CN" sz="1800" b="1">
+              <a:rPr lang="en-US" altLang="zh-CN" sz="1800" b="1" dirty="0">
                 <a:latin typeface="Courier New" panose="02070309020205020404" pitchFamily="49" charset="0"/>
                 <a:ea typeface="宋体" panose="02010600030101010101" pitchFamily="2" charset="-122"/>
                 <a:cs typeface="Courier New" panose="02070309020205020404" pitchFamily="49" charset="0"/>
               </a:rPr>
-              <a:t>10 		printf("child : x=%d\n", ++x);</a:t>
+              <a:t>10 		</a:t>
+            </a:r>
+            <a:r>
+              <a:rPr lang="en-US" altLang="zh-CN" sz="1800" b="1" dirty="0" err="1">
+                <a:latin typeface="Courier New" panose="02070309020205020404" pitchFamily="49" charset="0"/>
+                <a:ea typeface="宋体" panose="02010600030101010101" pitchFamily="2" charset="-122"/>
+                <a:cs typeface="Courier New" panose="02070309020205020404" pitchFamily="49" charset="0"/>
+              </a:rPr>
+              <a:t>printf</a:t>
+            </a:r>
+            <a:r>
+              <a:rPr lang="en-US" altLang="zh-CN" sz="1800" b="1" dirty="0">
+                <a:latin typeface="Courier New" panose="02070309020205020404" pitchFamily="49" charset="0"/>
+                <a:ea typeface="宋体" panose="02010600030101010101" pitchFamily="2" charset="-122"/>
+                <a:cs typeface="Courier New" panose="02070309020205020404" pitchFamily="49" charset="0"/>
+              </a:rPr>
+              <a:t>("child : x=%d\n", ++x);</a:t>
             </a:r>
           </a:p>
           <a:p>
@@ -28809,7 +28924,7 @@
               <a:buNone/>
             </a:pPr>
             <a:r>
-              <a:rPr lang="en-US" altLang="zh-CN" sz="1800" b="1">
+              <a:rPr lang="en-US" altLang="zh-CN" sz="1800" b="1" dirty="0">
                 <a:latin typeface="Courier New" panose="02070309020205020404" pitchFamily="49" charset="0"/>
                 <a:ea typeface="宋体" panose="02010600030101010101" pitchFamily="2" charset="-122"/>
                 <a:cs typeface="Courier New" panose="02070309020205020404" pitchFamily="49" charset="0"/>
@@ -28817,7 +28932,7 @@
               <a:t>11 		</a:t>
             </a:r>
             <a:r>
-              <a:rPr lang="en-US" altLang="zh-CN" sz="1800" b="1">
+              <a:rPr lang="en-US" altLang="zh-CN" sz="1800" b="1" dirty="0">
                 <a:solidFill>
                   <a:srgbClr val="9900CC"/>
                 </a:solidFill>
@@ -28837,7 +28952,7 @@
               <a:buNone/>
             </a:pPr>
             <a:r>
-              <a:rPr lang="en-US" altLang="zh-CN" sz="1800" b="1">
+              <a:rPr lang="en-US" altLang="zh-CN" sz="1800" b="1" dirty="0">
                 <a:latin typeface="Courier New" panose="02070309020205020404" pitchFamily="49" charset="0"/>
                 <a:ea typeface="宋体" panose="02010600030101010101" pitchFamily="2" charset="-122"/>
                 <a:cs typeface="Courier New" panose="02070309020205020404" pitchFamily="49" charset="0"/>
@@ -28854,7 +28969,7 @@
               <a:buNone/>
             </a:pPr>
             <a:r>
-              <a:rPr lang="en-US" altLang="zh-CN" sz="1800" b="1">
+              <a:rPr lang="en-US" altLang="zh-CN" sz="1800" b="1" dirty="0">
                 <a:latin typeface="Courier New" panose="02070309020205020404" pitchFamily="49" charset="0"/>
                 <a:ea typeface="宋体" panose="02010600030101010101" pitchFamily="2" charset="-122"/>
                 <a:cs typeface="Courier New" panose="02070309020205020404" pitchFamily="49" charset="0"/>
@@ -28871,7 +28986,7 @@
               <a:buNone/>
             </a:pPr>
             <a:r>
-              <a:rPr lang="en-US" altLang="zh-CN" sz="1800" b="1">
+              <a:rPr lang="en-US" altLang="zh-CN" sz="1800" b="1" dirty="0">
                 <a:latin typeface="Courier New" panose="02070309020205020404" pitchFamily="49" charset="0"/>
                 <a:ea typeface="宋体" panose="02010600030101010101" pitchFamily="2" charset="-122"/>
                 <a:cs typeface="Courier New" panose="02070309020205020404" pitchFamily="49" charset="0"/>
@@ -28879,7 +28994,7 @@
               <a:t>14 	</a:t>
             </a:r>
             <a:r>
-              <a:rPr lang="en-US" altLang="zh-CN" sz="1800" b="1">
+              <a:rPr lang="en-US" altLang="zh-CN" sz="1800" b="1" dirty="0">
                 <a:solidFill>
                   <a:srgbClr val="00B050"/>
                 </a:solidFill>
@@ -28899,12 +29014,28 @@
               <a:buNone/>
             </a:pPr>
             <a:r>
-              <a:rPr lang="en-US" altLang="zh-CN" sz="1800" b="1">
+              <a:rPr lang="en-US" altLang="zh-CN" sz="1800" b="1" dirty="0">
                 <a:latin typeface="Courier New" panose="02070309020205020404" pitchFamily="49" charset="0"/>
                 <a:ea typeface="宋体" panose="02010600030101010101" pitchFamily="2" charset="-122"/>
                 <a:cs typeface="Courier New" panose="02070309020205020404" pitchFamily="49" charset="0"/>
               </a:rPr>
-              <a:t>15 	printf("parent: x=%d\n", --x);</a:t>
+              <a:t>15 	</a:t>
+            </a:r>
+            <a:r>
+              <a:rPr lang="en-US" altLang="zh-CN" sz="1800" b="1" dirty="0" err="1">
+                <a:latin typeface="Courier New" panose="02070309020205020404" pitchFamily="49" charset="0"/>
+                <a:ea typeface="宋体" panose="02010600030101010101" pitchFamily="2" charset="-122"/>
+                <a:cs typeface="Courier New" panose="02070309020205020404" pitchFamily="49" charset="0"/>
+              </a:rPr>
+              <a:t>printf</a:t>
+            </a:r>
+            <a:r>
+              <a:rPr lang="en-US" altLang="zh-CN" sz="1800" b="1" dirty="0">
+                <a:latin typeface="Courier New" panose="02070309020205020404" pitchFamily="49" charset="0"/>
+                <a:ea typeface="宋体" panose="02010600030101010101" pitchFamily="2" charset="-122"/>
+                <a:cs typeface="Courier New" panose="02070309020205020404" pitchFamily="49" charset="0"/>
+              </a:rPr>
+              <a:t>("parent: x=%d\n", --x);</a:t>
             </a:r>
           </a:p>
           <a:p>
@@ -28916,7 +29047,7 @@
               <a:buNone/>
             </a:pPr>
             <a:r>
-              <a:rPr lang="en-US" altLang="zh-CN" sz="1800" b="1">
+              <a:rPr lang="en-US" altLang="zh-CN" sz="1800" b="1" dirty="0">
                 <a:latin typeface="Courier New" panose="02070309020205020404" pitchFamily="49" charset="0"/>
                 <a:ea typeface="宋体" panose="02010600030101010101" pitchFamily="2" charset="-122"/>
                 <a:cs typeface="Courier New" panose="02070309020205020404" pitchFamily="49" charset="0"/>
@@ -28933,7 +29064,7 @@
               <a:buNone/>
             </a:pPr>
             <a:r>
-              <a:rPr lang="en-US" altLang="zh-CN" sz="1800" b="1">
+              <a:rPr lang="en-US" altLang="zh-CN" sz="1800" b="1" dirty="0">
                 <a:latin typeface="Courier New" panose="02070309020205020404" pitchFamily="49" charset="0"/>
                 <a:ea typeface="宋体" panose="02010600030101010101" pitchFamily="2" charset="-122"/>
                 <a:cs typeface="Courier New" panose="02070309020205020404" pitchFamily="49" charset="0"/>
@@ -29282,7 +29413,7 @@
               <a:rPr lang="en-US" altLang="zh-CN" dirty="0">
                 <a:ea typeface="宋体" pitchFamily="2" charset="-122"/>
               </a:rPr>
-              <a:t>This is fairly straightforward for programs that create a single child. </a:t>
+              <a:t>This is straightforward for programs that create a single child. </a:t>
             </a:r>
           </a:p>
           <a:p>
@@ -39493,7 +39624,7 @@
               </a:lnSpc>
             </a:pPr>
             <a:r>
-              <a:rPr lang="en-US" altLang="zh-CN">
+              <a:rPr lang="en-US" altLang="zh-CN" dirty="0">
                 <a:ea typeface="宋体" panose="02010600030101010101" pitchFamily="2" charset="-122"/>
               </a:rPr>
               <a:t>Application programs can also </a:t>
@@ -39506,7 +39637,7 @@
               </a:lnSpc>
             </a:pPr>
             <a:r>
-              <a:rPr lang="en-US" altLang="zh-CN">
+              <a:rPr lang="en-US" altLang="zh-CN" dirty="0">
                 <a:ea typeface="宋体" panose="02010600030101010101" pitchFamily="2" charset="-122"/>
               </a:rPr>
               <a:t>create new processes </a:t>
@@ -39519,7 +39650,7 @@
               </a:lnSpc>
             </a:pPr>
             <a:r>
-              <a:rPr lang="en-US" altLang="zh-CN">
+              <a:rPr lang="en-US" altLang="zh-CN" dirty="0">
                 <a:ea typeface="宋体" panose="02010600030101010101" pitchFamily="2" charset="-122"/>
               </a:rPr>
               <a:t>and run </a:t>
@@ -39532,7 +39663,7 @@
               </a:lnSpc>
             </a:pPr>
             <a:r>
-              <a:rPr lang="en-US" altLang="zh-CN">
+              <a:rPr lang="en-US" altLang="zh-CN" dirty="0">
                 <a:ea typeface="宋体" panose="02010600030101010101" pitchFamily="2" charset="-122"/>
               </a:rPr>
               <a:t>either their own </a:t>
@@ -39545,7 +39676,7 @@
               </a:lnSpc>
             </a:pPr>
             <a:r>
-              <a:rPr lang="en-US" altLang="zh-CN">
+              <a:rPr lang="en-US" altLang="zh-CN" dirty="0">
                 <a:ea typeface="宋体" panose="02010600030101010101" pitchFamily="2" charset="-122"/>
               </a:rPr>
               <a:t>or other application </a:t>
@@ -39558,7 +39689,7 @@
               </a:lnSpc>
             </a:pPr>
             <a:r>
-              <a:rPr lang="en-US" altLang="zh-CN">
+              <a:rPr lang="en-US" altLang="zh-CN" dirty="0">
                 <a:ea typeface="宋体" panose="02010600030101010101" pitchFamily="2" charset="-122"/>
               </a:rPr>
               <a:t>in the context of new process</a:t>
@@ -40712,7 +40843,7 @@
           <a:lstStyle/>
           <a:p>
             <a:r>
-              <a:rPr lang="en-US" altLang="zh-CN">
+              <a:rPr lang="en-US" altLang="zh-CN" dirty="0">
                 <a:ea typeface="宋体" panose="02010600030101010101" pitchFamily="2" charset="-122"/>
               </a:rPr>
               <a:t>The kernel maintains a context for each process</a:t>
@@ -40720,7 +40851,7 @@
           </a:p>
           <a:p>
             <a:r>
-              <a:rPr lang="en-US" altLang="zh-CN">
+              <a:rPr lang="en-US" altLang="zh-CN" dirty="0">
                 <a:ea typeface="宋体" panose="02010600030101010101" pitchFamily="2" charset="-122"/>
               </a:rPr>
               <a:t>The context is the state that the kernel needs to restart an interrupted process</a:t>
@@ -40728,7 +40859,7 @@
           </a:p>
           <a:p>
             <a:r>
-              <a:rPr lang="en-US" altLang="zh-CN">
+              <a:rPr lang="en-US" altLang="zh-CN" dirty="0">
                 <a:ea typeface="宋体" panose="02010600030101010101" pitchFamily="2" charset="-122"/>
               </a:rPr>
               <a:t>Context contains</a:t>
@@ -40737,7 +40868,7 @@
           <a:p>
             <a:pPr lvl="1"/>
             <a:r>
-              <a:rPr lang="en-US" altLang="zh-CN">
+              <a:rPr lang="en-US" altLang="zh-CN" dirty="0">
                 <a:ea typeface="宋体" panose="02010600030101010101" pitchFamily="2" charset="-122"/>
               </a:rPr>
               <a:t>the program’s code and data stored in memory</a:t>
@@ -40746,7 +40877,7 @@
           <a:p>
             <a:pPr lvl="1"/>
             <a:r>
-              <a:rPr lang="en-US" altLang="zh-CN">
+              <a:rPr lang="en-US" altLang="zh-CN" dirty="0">
                 <a:ea typeface="宋体" panose="02010600030101010101" pitchFamily="2" charset="-122"/>
               </a:rPr>
               <a:t>Value of PC, register file, status registers</a:t>
@@ -40755,7 +40886,7 @@
           <a:p>
             <a:pPr lvl="1"/>
             <a:r>
-              <a:rPr lang="en-US" altLang="zh-CN">
+              <a:rPr lang="en-US" altLang="zh-CN" dirty="0">
                 <a:ea typeface="宋体" panose="02010600030101010101" pitchFamily="2" charset="-122"/>
               </a:rPr>
               <a:t>user’s stack, kernel’s stack</a:t>
@@ -40764,7 +40895,7 @@
           <a:p>
             <a:pPr lvl="1"/>
             <a:r>
-              <a:rPr lang="en-US" altLang="zh-CN">
+              <a:rPr lang="en-US" altLang="zh-CN" dirty="0">
                 <a:ea typeface="宋体" panose="02010600030101010101" pitchFamily="2" charset="-122"/>
               </a:rPr>
               <a:t>environment variables</a:t>
@@ -40773,7 +40904,7 @@
           <a:p>
             <a:pPr lvl="1"/>
             <a:r>
-              <a:rPr lang="en-US" altLang="zh-CN">
+              <a:rPr lang="en-US" altLang="zh-CN" dirty="0">
                 <a:ea typeface="宋体" panose="02010600030101010101" pitchFamily="2" charset="-122"/>
               </a:rPr>
               <a:t>Kernel data structures</a:t>
@@ -40782,7 +40913,7 @@
           <a:p>
             <a:pPr lvl="2"/>
             <a:r>
-              <a:rPr lang="en-US" altLang="zh-CN" sz="2400">
+              <a:rPr lang="en-US" altLang="zh-CN" sz="2400" dirty="0">
                 <a:ea typeface="宋体" panose="02010600030101010101" pitchFamily="2" charset="-122"/>
               </a:rPr>
               <a:t>Process table, page table, file table</a:t>
